--- a/image/source/Узкие.pptx
+++ b/image/source/Узкие.pptx
@@ -5,13 +5,14 @@
     <p:sldMasterId id="2147483672" r:id="rId1"/>
   </p:sldMasterIdLst>
   <p:notesMasterIdLst>
-    <p:notesMasterId r:id="rId6"/>
+    <p:notesMasterId r:id="rId7"/>
   </p:notesMasterIdLst>
   <p:sldIdLst>
     <p:sldId id="259" r:id="rId2"/>
     <p:sldId id="260" r:id="rId3"/>
     <p:sldId id="263" r:id="rId4"/>
     <p:sldId id="264" r:id="rId5"/>
+    <p:sldId id="265" r:id="rId6"/>
   </p:sldIdLst>
   <p:sldSz cx="1439863" cy="914400"/>
   <p:notesSz cx="6858000" cy="9144000"/>
@@ -212,7 +213,7 @@
           <a:p>
             <a:fld id="{9A93C58B-990C-43FD-BBAA-0CB7A2975E0D}" type="datetimeFigureOut">
               <a:rPr lang="ru-RU" smtClean="0"/>
-              <a:t>15.06.2025</a:t>
+              <a:t>19.06.2025</a:t>
             </a:fld>
             <a:endParaRPr lang="ru-RU"/>
           </a:p>
@@ -610,7 +611,7 @@
           <a:p>
             <a:fld id="{D3356C18-CB96-46E2-BBFC-BED57E92A0CC}" type="datetimeFigureOut">
               <a:rPr lang="ru-RU" smtClean="0"/>
-              <a:t>15.06.2025</a:t>
+              <a:t>19.06.2025</a:t>
             </a:fld>
             <a:endParaRPr lang="ru-RU"/>
           </a:p>
@@ -780,7 +781,7 @@
           <a:p>
             <a:fld id="{D3356C18-CB96-46E2-BBFC-BED57E92A0CC}" type="datetimeFigureOut">
               <a:rPr lang="ru-RU" smtClean="0"/>
-              <a:t>15.06.2025</a:t>
+              <a:t>19.06.2025</a:t>
             </a:fld>
             <a:endParaRPr lang="ru-RU"/>
           </a:p>
@@ -960,7 +961,7 @@
           <a:p>
             <a:fld id="{D3356C18-CB96-46E2-BBFC-BED57E92A0CC}" type="datetimeFigureOut">
               <a:rPr lang="ru-RU" smtClean="0"/>
-              <a:t>15.06.2025</a:t>
+              <a:t>19.06.2025</a:t>
             </a:fld>
             <a:endParaRPr lang="ru-RU"/>
           </a:p>
@@ -1130,7 +1131,7 @@
           <a:p>
             <a:fld id="{D3356C18-CB96-46E2-BBFC-BED57E92A0CC}" type="datetimeFigureOut">
               <a:rPr lang="ru-RU" smtClean="0"/>
-              <a:t>15.06.2025</a:t>
+              <a:t>19.06.2025</a:t>
             </a:fld>
             <a:endParaRPr lang="ru-RU"/>
           </a:p>
@@ -1376,7 +1377,7 @@
           <a:p>
             <a:fld id="{D3356C18-CB96-46E2-BBFC-BED57E92A0CC}" type="datetimeFigureOut">
               <a:rPr lang="ru-RU" smtClean="0"/>
-              <a:t>15.06.2025</a:t>
+              <a:t>19.06.2025</a:t>
             </a:fld>
             <a:endParaRPr lang="ru-RU"/>
           </a:p>
@@ -1608,7 +1609,7 @@
           <a:p>
             <a:fld id="{D3356C18-CB96-46E2-BBFC-BED57E92A0CC}" type="datetimeFigureOut">
               <a:rPr lang="ru-RU" smtClean="0"/>
-              <a:t>15.06.2025</a:t>
+              <a:t>19.06.2025</a:t>
             </a:fld>
             <a:endParaRPr lang="ru-RU"/>
           </a:p>
@@ -1975,7 +1976,7 @@
           <a:p>
             <a:fld id="{D3356C18-CB96-46E2-BBFC-BED57E92A0CC}" type="datetimeFigureOut">
               <a:rPr lang="ru-RU" smtClean="0"/>
-              <a:t>15.06.2025</a:t>
+              <a:t>19.06.2025</a:t>
             </a:fld>
             <a:endParaRPr lang="ru-RU"/>
           </a:p>
@@ -2093,7 +2094,7 @@
           <a:p>
             <a:fld id="{D3356C18-CB96-46E2-BBFC-BED57E92A0CC}" type="datetimeFigureOut">
               <a:rPr lang="ru-RU" smtClean="0"/>
-              <a:t>15.06.2025</a:t>
+              <a:t>19.06.2025</a:t>
             </a:fld>
             <a:endParaRPr lang="ru-RU"/>
           </a:p>
@@ -2188,7 +2189,7 @@
           <a:p>
             <a:fld id="{D3356C18-CB96-46E2-BBFC-BED57E92A0CC}" type="datetimeFigureOut">
               <a:rPr lang="ru-RU" smtClean="0"/>
-              <a:t>15.06.2025</a:t>
+              <a:t>19.06.2025</a:t>
             </a:fld>
             <a:endParaRPr lang="ru-RU"/>
           </a:p>
@@ -2465,7 +2466,7 @@
           <a:p>
             <a:fld id="{D3356C18-CB96-46E2-BBFC-BED57E92A0CC}" type="datetimeFigureOut">
               <a:rPr lang="ru-RU" smtClean="0"/>
-              <a:t>15.06.2025</a:t>
+              <a:t>19.06.2025</a:t>
             </a:fld>
             <a:endParaRPr lang="ru-RU"/>
           </a:p>
@@ -2722,7 +2723,7 @@
           <a:p>
             <a:fld id="{D3356C18-CB96-46E2-BBFC-BED57E92A0CC}" type="datetimeFigureOut">
               <a:rPr lang="ru-RU" smtClean="0"/>
-              <a:t>15.06.2025</a:t>
+              <a:t>19.06.2025</a:t>
             </a:fld>
             <a:endParaRPr lang="ru-RU"/>
           </a:p>
@@ -2935,7 +2936,7 @@
           <a:p>
             <a:fld id="{D3356C18-CB96-46E2-BBFC-BED57E92A0CC}" type="datetimeFigureOut">
               <a:rPr lang="ru-RU" smtClean="0"/>
-              <a:t>15.06.2025</a:t>
+              <a:t>19.06.2025</a:t>
             </a:fld>
             <a:endParaRPr lang="ru-RU"/>
           </a:p>
@@ -4937,8 +4938,8 @@
           </p:txBody>
         </p:sp>
       </p:grpSp>
-      <mc:AlternateContent xmlns:mc="http://schemas.openxmlformats.org/markup-compatibility/2006">
-        <mc:Choice xmlns:a14="http://schemas.microsoft.com/office/drawing/2010/main" Requires="a14">
+      <mc:AlternateContent xmlns:mc="http://schemas.openxmlformats.org/markup-compatibility/2006" xmlns:a14="http://schemas.microsoft.com/office/drawing/2010/main">
+        <mc:Choice Requires="a14">
           <p:sp>
             <p:nvSpPr>
               <p:cNvPr id="6" name="TextBox 5">
@@ -5029,7 +5030,7 @@
             </p:txBody>
           </p:sp>
         </mc:Choice>
-        <mc:Fallback>
+        <mc:Fallback xmlns="">
           <p:sp>
             <p:nvSpPr>
               <p:cNvPr id="6" name="TextBox 5">
@@ -5074,8 +5075,8 @@
           </p:sp>
         </mc:Fallback>
       </mc:AlternateContent>
-      <mc:AlternateContent xmlns:mc="http://schemas.openxmlformats.org/markup-compatibility/2006">
-        <mc:Choice xmlns:a14="http://schemas.microsoft.com/office/drawing/2010/main" Requires="a14">
+      <mc:AlternateContent xmlns:mc="http://schemas.openxmlformats.org/markup-compatibility/2006" xmlns:a14="http://schemas.microsoft.com/office/drawing/2010/main">
+        <mc:Choice Requires="a14">
           <p:sp>
             <p:nvSpPr>
               <p:cNvPr id="8" name="TextBox 7">
@@ -5132,7 +5133,7 @@
             </p:txBody>
           </p:sp>
         </mc:Choice>
-        <mc:Fallback>
+        <mc:Fallback xmlns="">
           <p:sp>
             <p:nvSpPr>
               <p:cNvPr id="8" name="TextBox 7">
@@ -5293,8 +5294,8 @@
             </a:p>
           </p:txBody>
         </p:sp>
-        <mc:AlternateContent xmlns:mc="http://schemas.openxmlformats.org/markup-compatibility/2006">
-          <mc:Choice xmlns:a14="http://schemas.microsoft.com/office/drawing/2010/main" Requires="a14">
+        <mc:AlternateContent xmlns:mc="http://schemas.openxmlformats.org/markup-compatibility/2006" xmlns:a14="http://schemas.microsoft.com/office/drawing/2010/main">
+          <mc:Choice Requires="a14">
             <p:sp>
               <p:nvSpPr>
                 <p:cNvPr id="11" name="TextBox 10">
@@ -5385,7 +5386,7 @@
               </p:txBody>
             </p:sp>
           </mc:Choice>
-          <mc:Fallback>
+          <mc:Fallback xmlns="">
             <p:sp>
               <p:nvSpPr>
                 <p:cNvPr id="11" name="TextBox 10">
@@ -5476,8 +5477,8 @@
             </a:fontRef>
           </p:style>
         </p:cxnSp>
-        <mc:AlternateContent xmlns:mc="http://schemas.openxmlformats.org/markup-compatibility/2006">
-          <mc:Choice xmlns:a14="http://schemas.microsoft.com/office/drawing/2010/main" Requires="a14">
+        <mc:AlternateContent xmlns:mc="http://schemas.openxmlformats.org/markup-compatibility/2006" xmlns:a14="http://schemas.microsoft.com/office/drawing/2010/main">
+          <mc:Choice Requires="a14">
             <p:sp>
               <p:nvSpPr>
                 <p:cNvPr id="21" name="TextBox 20">
@@ -5558,7 +5559,7 @@
               </p:txBody>
             </p:sp>
           </mc:Choice>
-          <mc:Fallback>
+          <mc:Fallback xmlns="">
             <p:sp>
               <p:nvSpPr>
                 <p:cNvPr id="21" name="TextBox 20">
@@ -5604,8 +5605,8 @@
           </mc:Fallback>
         </mc:AlternateContent>
       </p:grpSp>
-      <mc:AlternateContent xmlns:mc="http://schemas.openxmlformats.org/markup-compatibility/2006">
-        <mc:Choice xmlns:a14="http://schemas.microsoft.com/office/drawing/2010/main" Requires="a14">
+      <mc:AlternateContent xmlns:mc="http://schemas.openxmlformats.org/markup-compatibility/2006" xmlns:a14="http://schemas.microsoft.com/office/drawing/2010/main">
+        <mc:Choice Requires="a14">
           <p:sp>
             <p:nvSpPr>
               <p:cNvPr id="23" name="TextBox 22">
@@ -5667,7 +5668,7 @@
             </p:txBody>
           </p:sp>
         </mc:Choice>
-        <mc:Fallback>
+        <mc:Fallback xmlns="">
           <p:sp>
             <p:nvSpPr>
               <p:cNvPr id="23" name="TextBox 22">
@@ -5712,8 +5713,8 @@
           </p:sp>
         </mc:Fallback>
       </mc:AlternateContent>
-      <mc:AlternateContent xmlns:mc="http://schemas.openxmlformats.org/markup-compatibility/2006">
-        <mc:Choice xmlns:a14="http://schemas.microsoft.com/office/drawing/2010/main" Requires="a14">
+      <mc:AlternateContent xmlns:mc="http://schemas.openxmlformats.org/markup-compatibility/2006" xmlns:a14="http://schemas.microsoft.com/office/drawing/2010/main">
+        <mc:Choice Requires="a14">
           <p:sp>
             <p:nvSpPr>
               <p:cNvPr id="25" name="TextBox 24">
@@ -5822,7 +5823,7 @@
             </p:txBody>
           </p:sp>
         </mc:Choice>
-        <mc:Fallback>
+        <mc:Fallback xmlns="">
           <p:sp>
             <p:nvSpPr>
               <p:cNvPr id="25" name="TextBox 24">
@@ -6054,8 +6055,8 @@
           </a:p>
         </p:txBody>
       </p:sp>
-      <mc:AlternateContent xmlns:mc="http://schemas.openxmlformats.org/markup-compatibility/2006">
-        <mc:Choice xmlns:a14="http://schemas.microsoft.com/office/drawing/2010/main" Requires="a14">
+      <mc:AlternateContent xmlns:mc="http://schemas.openxmlformats.org/markup-compatibility/2006" xmlns:a14="http://schemas.microsoft.com/office/drawing/2010/main">
+        <mc:Choice Requires="a14">
           <p:sp>
             <p:nvSpPr>
               <p:cNvPr id="8" name="TextBox 7">
@@ -6112,7 +6113,7 @@
             </p:txBody>
           </p:sp>
         </mc:Choice>
-        <mc:Fallback>
+        <mc:Fallback xmlns="">
           <p:sp>
             <p:nvSpPr>
               <p:cNvPr id="8" name="TextBox 7">
@@ -6272,8 +6273,8 @@
             </a:p>
           </p:txBody>
         </p:sp>
-        <mc:AlternateContent xmlns:mc="http://schemas.openxmlformats.org/markup-compatibility/2006">
-          <mc:Choice xmlns:a14="http://schemas.microsoft.com/office/drawing/2010/main" Requires="a14">
+        <mc:AlternateContent xmlns:mc="http://schemas.openxmlformats.org/markup-compatibility/2006" xmlns:a14="http://schemas.microsoft.com/office/drawing/2010/main">
+          <mc:Choice Requires="a14">
             <p:sp>
               <p:nvSpPr>
                 <p:cNvPr id="11" name="TextBox 10">
@@ -6364,7 +6365,7 @@
               </p:txBody>
             </p:sp>
           </mc:Choice>
-          <mc:Fallback>
+          <mc:Fallback xmlns="">
             <p:sp>
               <p:nvSpPr>
                 <p:cNvPr id="11" name="TextBox 10">
@@ -6410,8 +6411,8 @@
           </mc:Fallback>
         </mc:AlternateContent>
       </p:grpSp>
-      <mc:AlternateContent xmlns:mc="http://schemas.openxmlformats.org/markup-compatibility/2006">
-        <mc:Choice xmlns:a14="http://schemas.microsoft.com/office/drawing/2010/main" Requires="a14">
+      <mc:AlternateContent xmlns:mc="http://schemas.openxmlformats.org/markup-compatibility/2006" xmlns:a14="http://schemas.microsoft.com/office/drawing/2010/main">
+        <mc:Choice Requires="a14">
           <p:sp>
             <p:nvSpPr>
               <p:cNvPr id="23" name="TextBox 22">
@@ -6503,7 +6504,7 @@
             </p:txBody>
           </p:sp>
         </mc:Choice>
-        <mc:Fallback>
+        <mc:Fallback xmlns="">
           <p:sp>
             <p:nvSpPr>
               <p:cNvPr id="23" name="TextBox 22">
@@ -6598,8 +6599,8 @@
           </a:p>
         </p:txBody>
       </p:sp>
-      <mc:AlternateContent xmlns:mc="http://schemas.openxmlformats.org/markup-compatibility/2006">
-        <mc:Choice xmlns:a14="http://schemas.microsoft.com/office/drawing/2010/main" Requires="a14">
+      <mc:AlternateContent xmlns:mc="http://schemas.openxmlformats.org/markup-compatibility/2006" xmlns:a14="http://schemas.microsoft.com/office/drawing/2010/main">
+        <mc:Choice Requires="a14">
           <p:sp>
             <p:nvSpPr>
               <p:cNvPr id="13" name="TextBox 12">
@@ -6690,7 +6691,7 @@
             </p:txBody>
           </p:sp>
         </mc:Choice>
-        <mc:Fallback>
+        <mc:Fallback xmlns="">
           <p:sp>
             <p:nvSpPr>
               <p:cNvPr id="13" name="TextBox 12">
@@ -6781,8 +6782,8 @@
           </a:fontRef>
         </p:style>
       </p:cxnSp>
-      <mc:AlternateContent xmlns:mc="http://schemas.openxmlformats.org/markup-compatibility/2006">
-        <mc:Choice xmlns:a14="http://schemas.microsoft.com/office/drawing/2010/main" Requires="a14">
+      <mc:AlternateContent xmlns:mc="http://schemas.openxmlformats.org/markup-compatibility/2006" xmlns:a14="http://schemas.microsoft.com/office/drawing/2010/main">
+        <mc:Choice Requires="a14">
           <p:sp>
             <p:nvSpPr>
               <p:cNvPr id="30" name="TextBox 29">
@@ -6863,7 +6864,7 @@
             </p:txBody>
           </p:sp>
         </mc:Choice>
-        <mc:Fallback>
+        <mc:Fallback xmlns="">
           <p:sp>
             <p:nvSpPr>
               <p:cNvPr id="30" name="TextBox 29">
@@ -6908,8 +6909,8 @@
           </p:sp>
         </mc:Fallback>
       </mc:AlternateContent>
-      <mc:AlternateContent xmlns:mc="http://schemas.openxmlformats.org/markup-compatibility/2006">
-        <mc:Choice xmlns:a14="http://schemas.microsoft.com/office/drawing/2010/main" Requires="a14">
+      <mc:AlternateContent xmlns:mc="http://schemas.openxmlformats.org/markup-compatibility/2006" xmlns:a14="http://schemas.microsoft.com/office/drawing/2010/main">
+        <mc:Choice Requires="a14">
           <p:sp>
             <p:nvSpPr>
               <p:cNvPr id="31" name="TextBox 30">
@@ -7070,7 +7071,7 @@
             </p:txBody>
           </p:sp>
         </mc:Choice>
-        <mc:Fallback>
+        <mc:Fallback xmlns="">
           <p:sp>
             <p:nvSpPr>
               <p:cNvPr id="31" name="TextBox 30">
@@ -7119,6 +7120,251 @@
     <p:extLst>
       <p:ext uri="{BB962C8B-B14F-4D97-AF65-F5344CB8AC3E}">
         <p14:creationId xmlns:p14="http://schemas.microsoft.com/office/powerpoint/2010/main" val="2765612258"/>
+      </p:ext>
+    </p:extLst>
+  </p:cSld>
+  <p:clrMapOvr>
+    <a:masterClrMapping/>
+  </p:clrMapOvr>
+</p:sld>
+</file>
+
+<file path=ppt/slides/slide5.xml><?xml version="1.0" encoding="utf-8"?>
+<p:sld xmlns:a="http://schemas.openxmlformats.org/drawingml/2006/main" xmlns:r="http://schemas.openxmlformats.org/officeDocument/2006/relationships" xmlns:p="http://schemas.openxmlformats.org/presentationml/2006/main">
+  <p:cSld>
+    <p:spTree>
+      <p:nvGrpSpPr>
+        <p:cNvPr id="1" name=""/>
+        <p:cNvGrpSpPr/>
+        <p:nvPr/>
+      </p:nvGrpSpPr>
+      <p:grpSpPr>
+        <a:xfrm>
+          <a:off x="0" y="0"/>
+          <a:ext cx="0" cy="0"/>
+          <a:chOff x="0" y="0"/>
+          <a:chExt cx="0" cy="0"/>
+        </a:xfrm>
+      </p:grpSpPr>
+      <p:pic>
+        <p:nvPicPr>
+          <p:cNvPr id="1026" name="Picture 2" descr="4.2. Вывод распределения Максвелла">
+            <a:extLst>
+              <a:ext uri="{FF2B5EF4-FFF2-40B4-BE49-F238E27FC236}">
+                <a16:creationId xmlns:a16="http://schemas.microsoft.com/office/drawing/2014/main" id="{3815BBF8-EE67-1D50-3D22-FB3F254350AA}"/>
+              </a:ext>
+            </a:extLst>
+          </p:cNvPr>
+          <p:cNvPicPr>
+            <a:picLocks noChangeAspect="1" noChangeArrowheads="1"/>
+          </p:cNvPicPr>
+          <p:nvPr/>
+        </p:nvPicPr>
+        <p:blipFill>
+          <a:blip r:embed="rId2">
+            <a:extLst>
+              <a:ext uri="{28A0092B-C50C-407E-A947-70E740481C1C}">
+                <a14:useLocalDpi xmlns:a14="http://schemas.microsoft.com/office/drawing/2010/main" val="0"/>
+              </a:ext>
+            </a:extLst>
+          </a:blip>
+          <a:srcRect/>
+          <a:stretch>
+            <a:fillRect/>
+          </a:stretch>
+        </p:blipFill>
+        <p:spPr bwMode="auto">
+          <a:xfrm>
+            <a:off x="-17860" y="78357"/>
+            <a:ext cx="1439863" cy="811213"/>
+          </a:xfrm>
+          <a:prstGeom prst="rect">
+            <a:avLst/>
+          </a:prstGeom>
+          <a:noFill/>
+          <a:extLst>
+            <a:ext uri="{909E8E84-426E-40DD-AFC4-6F175D3DCCD1}">
+              <a14:hiddenFill xmlns:a14="http://schemas.microsoft.com/office/drawing/2010/main">
+                <a:solidFill>
+                  <a:srgbClr val="FFFFFF"/>
+                </a:solidFill>
+              </a14:hiddenFill>
+            </a:ext>
+          </a:extLst>
+        </p:spPr>
+      </p:pic>
+      <p:sp>
+        <p:nvSpPr>
+          <p:cNvPr id="4" name="Прямоугольник 3">
+            <a:extLst>
+              <a:ext uri="{FF2B5EF4-FFF2-40B4-BE49-F238E27FC236}">
+                <a16:creationId xmlns:a16="http://schemas.microsoft.com/office/drawing/2014/main" id="{948B1AF1-C59F-2193-6ACC-7001F1E7E455}"/>
+              </a:ext>
+            </a:extLst>
+          </p:cNvPr>
+          <p:cNvSpPr/>
+          <p:nvPr/>
+        </p:nvSpPr>
+        <p:spPr>
+          <a:xfrm>
+            <a:off x="-146293" y="5952"/>
+            <a:ext cx="226219" cy="154781"/>
+          </a:xfrm>
+          <a:prstGeom prst="rect">
+            <a:avLst/>
+          </a:prstGeom>
+          <a:solidFill>
+            <a:srgbClr val="FFFFFF"/>
+          </a:solidFill>
+          <a:ln>
+            <a:solidFill>
+              <a:srgbClr val="FFFFFF"/>
+            </a:solidFill>
+          </a:ln>
+        </p:spPr>
+        <p:style>
+          <a:lnRef idx="2">
+            <a:schemeClr val="accent1">
+              <a:shade val="15000"/>
+            </a:schemeClr>
+          </a:lnRef>
+          <a:fillRef idx="1">
+            <a:schemeClr val="accent1"/>
+          </a:fillRef>
+          <a:effectRef idx="0">
+            <a:schemeClr val="accent1"/>
+          </a:effectRef>
+          <a:fontRef idx="minor">
+            <a:schemeClr val="lt1"/>
+          </a:fontRef>
+        </p:style>
+        <p:txBody>
+          <a:bodyPr rtlCol="0" anchor="ctr"/>
+          <a:lstStyle/>
+          <a:p>
+            <a:pPr algn="ctr"/>
+            <a:endParaRPr lang="ru-RU"/>
+          </a:p>
+        </p:txBody>
+      </p:sp>
+      <mc:AlternateContent xmlns:mc="http://schemas.openxmlformats.org/markup-compatibility/2006">
+        <mc:Choice xmlns:a14="http://schemas.microsoft.com/office/drawing/2010/main" Requires="a14">
+          <p:sp>
+            <p:nvSpPr>
+              <p:cNvPr id="5" name="TextBox 4">
+                <a:extLst>
+                  <a:ext uri="{FF2B5EF4-FFF2-40B4-BE49-F238E27FC236}">
+                    <a16:creationId xmlns:a16="http://schemas.microsoft.com/office/drawing/2014/main" id="{5AEE2055-F535-4EC5-B309-69C64C294760}"/>
+                  </a:ext>
+                </a:extLst>
+              </p:cNvPr>
+              <p:cNvSpPr txBox="1"/>
+              <p:nvPr/>
+            </p:nvSpPr>
+            <p:spPr>
+              <a:xfrm>
+                <a:off x="-33184" y="3794"/>
+                <a:ext cx="292586" cy="76944"/>
+              </a:xfrm>
+              <a:prstGeom prst="rect">
+                <a:avLst/>
+              </a:prstGeom>
+              <a:noFill/>
+            </p:spPr>
+            <p:txBody>
+              <a:bodyPr wrap="square" lIns="0" tIns="0" rIns="0" bIns="0" rtlCol="0">
+                <a:spAutoFit/>
+              </a:bodyPr>
+              <a:lstStyle/>
+              <a:p>
+                <a:pPr/>
+                <a14:m>
+                  <m:oMathPara xmlns:m="http://schemas.openxmlformats.org/officeDocument/2006/math">
+                    <m:oMathParaPr>
+                      <m:jc m:val="centerGroup"/>
+                    </m:oMathParaPr>
+                    <m:oMath xmlns:m="http://schemas.openxmlformats.org/officeDocument/2006/math">
+                      <m:r>
+                        <a:rPr lang="en-US" sz="500" b="0" i="1" smtClean="0">
+                          <a:latin typeface="Cambria Math" panose="02040503050406030204" pitchFamily="18" charset="0"/>
+                        </a:rPr>
+                        <m:t>𝜔</m:t>
+                      </m:r>
+                      <m:r>
+                        <a:rPr lang="en-US" sz="500" b="0" i="1" smtClean="0">
+                          <a:latin typeface="Cambria Math" panose="02040503050406030204" pitchFamily="18" charset="0"/>
+                        </a:rPr>
+                        <m:t>(</m:t>
+                      </m:r>
+                      <m:r>
+                        <a:rPr lang="en-US" sz="500" b="0" i="1" smtClean="0">
+                          <a:latin typeface="Cambria Math" panose="02040503050406030204" pitchFamily="18" charset="0"/>
+                        </a:rPr>
+                        <m:t>𝑣</m:t>
+                      </m:r>
+                      <m:r>
+                        <a:rPr lang="en-US" sz="500" b="0" i="1" smtClean="0">
+                          <a:latin typeface="Cambria Math" panose="02040503050406030204" pitchFamily="18" charset="0"/>
+                        </a:rPr>
+                        <m:t>)</m:t>
+                      </m:r>
+                    </m:oMath>
+                  </m:oMathPara>
+                </a14:m>
+                <a:endParaRPr lang="ru-RU" sz="700" dirty="0"/>
+              </a:p>
+            </p:txBody>
+          </p:sp>
+        </mc:Choice>
+        <mc:Fallback>
+          <p:sp>
+            <p:nvSpPr>
+              <p:cNvPr id="5" name="TextBox 4">
+                <a:extLst>
+                  <a:ext uri="{FF2B5EF4-FFF2-40B4-BE49-F238E27FC236}">
+                    <a16:creationId xmlns:a16="http://schemas.microsoft.com/office/drawing/2014/main" id="{5AEE2055-F535-4EC5-B309-69C64C294760}"/>
+                  </a:ext>
+                </a:extLst>
+              </p:cNvPr>
+              <p:cNvSpPr txBox="1">
+                <a:spLocks noRot="1" noChangeAspect="1" noMove="1" noResize="1" noEditPoints="1" noAdjustHandles="1" noChangeArrowheads="1" noChangeShapeType="1" noTextEdit="1"/>
+              </p:cNvSpPr>
+              <p:nvPr/>
+            </p:nvSpPr>
+            <p:spPr>
+              <a:xfrm>
+                <a:off x="-33184" y="3794"/>
+                <a:ext cx="292586" cy="76944"/>
+              </a:xfrm>
+              <a:prstGeom prst="rect">
+                <a:avLst/>
+              </a:prstGeom>
+              <a:blipFill>
+                <a:blip r:embed="rId3"/>
+                <a:stretch>
+                  <a:fillRect b="-41667"/>
+                </a:stretch>
+              </a:blipFill>
+            </p:spPr>
+            <p:txBody>
+              <a:bodyPr/>
+              <a:lstStyle/>
+              <a:p>
+                <a:r>
+                  <a:rPr lang="ru-RU">
+                    <a:noFill/>
+                  </a:rPr>
+                  <a:t> </a:t>
+                </a:r>
+              </a:p>
+            </p:txBody>
+          </p:sp>
+        </mc:Fallback>
+      </mc:AlternateContent>
+    </p:spTree>
+    <p:extLst>
+      <p:ext uri="{BB962C8B-B14F-4D97-AF65-F5344CB8AC3E}">
+        <p14:creationId xmlns:p14="http://schemas.microsoft.com/office/powerpoint/2010/main" val="1480352419"/>
       </p:ext>
     </p:extLst>
   </p:cSld>
